--- a/Slides/7.More on Components/more-on-components-slides.pptx
+++ b/Slides/7.More on Components/more-on-components-slides.pptx
@@ -34,8 +34,8 @@
     <p:sldId id="279" r:id="rId26"/>
     <p:sldId id="280" r:id="rId27"/>
     <p:sldId id="281" r:id="rId28"/>
-    <p:sldId id="282" r:id="rId29"/>
-    <p:sldId id="283" r:id="rId30"/>
+    <p:sldId id="283" r:id="rId29"/>
+    <p:sldId id="282" r:id="rId30"/>
     <p:sldId id="284" r:id="rId31"/>
     <p:sldId id="285" r:id="rId32"/>
     <p:sldId id="286" r:id="rId33"/>
@@ -21482,8 +21482,8 @@
         </p:nvSpPr>
         <p:spPr>
           <a:xfrm>
-            <a:off x="6926546" y="754380"/>
-            <a:ext cx="4434205" cy="878840"/>
+            <a:off x="6562185" y="754380"/>
+            <a:ext cx="5163820" cy="878840"/>
           </a:xfrm>
           <a:prstGeom prst="rect">
             <a:avLst/>
@@ -21504,26 +21504,18 @@
               </a:spcBef>
             </a:pPr>
             <a:r>
-              <a:rPr spc="25" dirty="0"/>
-              <a:t>Filtering</a:t>
-            </a:r>
-            <a:r>
-              <a:rPr spc="-160" dirty="0"/>
-              <a:t> </a:t>
-            </a:r>
-            <a:r>
-              <a:rPr spc="-170" dirty="0"/>
-              <a:t>a</a:t>
-            </a:r>
-            <a:r>
-              <a:rPr spc="-150" dirty="0"/>
-              <a:t> </a:t>
-            </a:r>
-            <a:r>
-              <a:rPr dirty="0"/>
-              <a:t>List</a:t>
-            </a:r>
-            <a:endParaRPr dirty="0"/>
+              <a:rPr spc="-55" dirty="0"/>
+              <a:t>Arrow</a:t>
+            </a:r>
+            <a:r>
+              <a:rPr spc="-190" dirty="0"/>
+              <a:t> </a:t>
+            </a:r>
+            <a:r>
+              <a:rPr spc="40" dirty="0"/>
+              <a:t>Functions</a:t>
+            </a:r>
+            <a:endParaRPr spc="40" dirty="0"/>
           </a:p>
         </p:txBody>
       </p:sp>
@@ -21535,8 +21527,8 @@
         </p:nvSpPr>
         <p:spPr>
           <a:xfrm>
-            <a:off x="1101212" y="2844829"/>
-            <a:ext cx="15773400" cy="2062480"/>
+            <a:off x="1125749" y="5402684"/>
+            <a:ext cx="15849600" cy="584835"/>
           </a:xfrm>
           <a:prstGeom prst="rect">
             <a:avLst/>
@@ -21548,17 +21540,17 @@
           </a:ln>
         </p:spPr>
         <p:txBody>
-          <a:bodyPr vert="horz" wrap="square" lIns="0" tIns="34290" rIns="0" bIns="0" rtlCol="0">
+          <a:bodyPr vert="horz" wrap="square" lIns="0" tIns="33655" rIns="0" bIns="0" rtlCol="0">
             <a:spAutoFit/>
           </a:bodyPr>
           <a:lstStyle/>
           <a:p>
-            <a:pPr marL="90805">
+            <a:pPr marL="91440">
               <a:lnSpc>
-                <a:spcPts val="3815"/>
+                <a:spcPct val="100000"/>
               </a:lnSpc>
               <a:spcBef>
-                <a:spcPts val="270"/>
+                <a:spcPts val="265"/>
               </a:spcBef>
             </a:pPr>
             <a:r>
@@ -21566,10 +21558,10 @@
                 <a:latin typeface="Courier New" panose="02070309020205020404"/>
                 <a:cs typeface="Courier New" panose="02070309020205020404"/>
               </a:rPr>
-              <a:t>performFilter():</a:t>
-            </a:r>
-            <a:r>
-              <a:rPr sz="3200" spc="-35" dirty="0">
+              <a:t>(product:</a:t>
+            </a:r>
+            <a:r>
+              <a:rPr sz="3200" spc="-25" dirty="0">
                 <a:latin typeface="Courier New" panose="02070309020205020404"/>
                 <a:cs typeface="Courier New" panose="02070309020205020404"/>
               </a:rPr>
@@ -21580,10 +21572,10 @@
                 <a:latin typeface="Courier New" panose="02070309020205020404"/>
                 <a:cs typeface="Courier New" panose="02070309020205020404"/>
               </a:rPr>
-              <a:t>IProduct[]</a:t>
-            </a:r>
-            <a:r>
-              <a:rPr sz="3200" spc="-35" dirty="0">
+              <a:t>IProduct)</a:t>
+            </a:r>
+            <a:r>
+              <a:rPr sz="3200" spc="-25" dirty="0">
                 <a:latin typeface="Courier New" panose="02070309020205020404"/>
                 <a:cs typeface="Courier New" panose="02070309020205020404"/>
               </a:rPr>
@@ -21591,103 +21583,30 @@
             </a:r>
             <a:r>
               <a:rPr sz="3200" dirty="0">
-                <a:latin typeface="Courier New" panose="02070309020205020404"/>
-                <a:cs typeface="Courier New" panose="02070309020205020404"/>
-              </a:rPr>
-              <a:t>{</a:t>
-            </a:r>
-            <a:endParaRPr sz="3200">
-              <a:latin typeface="Courier New" panose="02070309020205020404"/>
-              <a:cs typeface="Courier New" panose="02070309020205020404"/>
-            </a:endParaRPr>
-          </a:p>
-          <a:p>
-            <a:pPr marL="2536190" marR="1739265" indent="-1466850">
-              <a:lnSpc>
-                <a:spcPts val="3790"/>
-              </a:lnSpc>
-              <a:spcBef>
-                <a:spcPts val="145"/>
-              </a:spcBef>
-            </a:pPr>
+                <a:solidFill>
+                  <a:srgbClr val="0000FF"/>
+                </a:solidFill>
+                <a:latin typeface="Courier New" panose="02070309020205020404"/>
+                <a:cs typeface="Courier New" panose="02070309020205020404"/>
+              </a:rPr>
+              <a:t>=&gt;</a:t>
+            </a:r>
+            <a:r>
+              <a:rPr sz="3200" spc="-20" dirty="0">
+                <a:solidFill>
+                  <a:srgbClr val="0000FF"/>
+                </a:solidFill>
+                <a:latin typeface="Courier New" panose="02070309020205020404"/>
+                <a:cs typeface="Courier New" panose="02070309020205020404"/>
+              </a:rPr>
+              <a:t> </a:t>
+            </a:r>
             <a:r>
               <a:rPr sz="3200" dirty="0">
-                <a:solidFill>
-                  <a:srgbClr val="0000FF"/>
-                </a:solidFill>
-                <a:latin typeface="Courier New" panose="02070309020205020404"/>
-                <a:cs typeface="Courier New" panose="02070309020205020404"/>
-              </a:rPr>
-              <a:t>return this</a:t>
-            </a:r>
-            <a:r>
-              <a:rPr sz="3200" dirty="0">
-                <a:latin typeface="Courier New" panose="02070309020205020404"/>
-                <a:cs typeface="Courier New" panose="02070309020205020404"/>
-              </a:rPr>
-              <a:t>.products.filter((product: IProduct) </a:t>
-            </a:r>
-            <a:r>
-              <a:rPr sz="3200" dirty="0">
-                <a:solidFill>
-                  <a:srgbClr val="0000FF"/>
-                </a:solidFill>
-                <a:latin typeface="Courier New" panose="02070309020205020404"/>
-                <a:cs typeface="Courier New" panose="02070309020205020404"/>
-              </a:rPr>
-              <a:t>=&gt; </a:t>
-            </a:r>
-            <a:r>
-              <a:rPr sz="3200" spc="5" dirty="0">
-                <a:solidFill>
-                  <a:srgbClr val="0000FF"/>
-                </a:solidFill>
-                <a:latin typeface="Courier New" panose="02070309020205020404"/>
-                <a:cs typeface="Courier New" panose="02070309020205020404"/>
-              </a:rPr>
-              <a:t> </a:t>
-            </a:r>
-            <a:r>
-              <a:rPr sz="3200" dirty="0">
-                <a:latin typeface="Courier New" panose="02070309020205020404"/>
-                <a:cs typeface="Courier New" panose="02070309020205020404"/>
-              </a:rPr>
-              <a:t>product.productName.includes(</a:t>
-            </a:r>
-            <a:r>
-              <a:rPr sz="3200" dirty="0">
-                <a:solidFill>
-                  <a:srgbClr val="0000FF"/>
-                </a:solidFill>
-                <a:latin typeface="Courier New" panose="02070309020205020404"/>
-                <a:cs typeface="Courier New" panose="02070309020205020404"/>
-              </a:rPr>
-              <a:t>this</a:t>
-            </a:r>
-            <a:r>
-              <a:rPr sz="3200" dirty="0">
-                <a:latin typeface="Courier New" panose="02070309020205020404"/>
-                <a:cs typeface="Courier New" panose="02070309020205020404"/>
-              </a:rPr>
-              <a:t>.listFilter));</a:t>
-            </a:r>
-            <a:endParaRPr sz="3200">
-              <a:latin typeface="Courier New" panose="02070309020205020404"/>
-              <a:cs typeface="Courier New" panose="02070309020205020404"/>
-            </a:endParaRPr>
-          </a:p>
-          <a:p>
-            <a:pPr marL="90805">
-              <a:lnSpc>
-                <a:spcPts val="3795"/>
-              </a:lnSpc>
-            </a:pPr>
-            <a:r>
-              <a:rPr sz="3200" dirty="0">
-                <a:latin typeface="Courier New" panose="02070309020205020404"/>
-                <a:cs typeface="Courier New" panose="02070309020205020404"/>
-              </a:rPr>
-              <a:t>}</a:t>
+                <a:latin typeface="Courier New" panose="02070309020205020404"/>
+                <a:cs typeface="Courier New" panose="02070309020205020404"/>
+              </a:rPr>
+              <a:t>product.productName.toUpperCase();</a:t>
             </a:r>
             <a:endParaRPr sz="3200">
               <a:latin typeface="Courier New" panose="02070309020205020404"/>
@@ -21704,8 +21623,8 @@
         </p:nvSpPr>
         <p:spPr>
           <a:xfrm>
-            <a:off x="1101212" y="1883866"/>
-            <a:ext cx="15773400" cy="584835"/>
+            <a:off x="1125749" y="2723616"/>
+            <a:ext cx="15773400" cy="1569720"/>
           </a:xfrm>
           <a:prstGeom prst="rect">
             <a:avLst/>
@@ -21717,17 +21636,17 @@
           </a:ln>
         </p:spPr>
         <p:txBody>
-          <a:bodyPr vert="horz" wrap="square" lIns="0" tIns="32384" rIns="0" bIns="0" rtlCol="0">
+          <a:bodyPr vert="horz" wrap="square" lIns="0" tIns="55244" rIns="0" bIns="0" rtlCol="0">
             <a:spAutoFit/>
           </a:bodyPr>
           <a:lstStyle/>
           <a:p>
-            <a:pPr marL="90805">
+            <a:pPr marL="1068705" marR="4672965" indent="-977900">
               <a:lnSpc>
-                <a:spcPct val="100000"/>
+                <a:spcPts val="3790"/>
               </a:lnSpc>
               <a:spcBef>
-                <a:spcPts val="255"/>
+                <a:spcPts val="435"/>
               </a:spcBef>
             </a:pPr>
             <a:r>
@@ -21735,10 +21654,10 @@
                 <a:latin typeface="Courier New" panose="02070309020205020404"/>
                 <a:cs typeface="Courier New" panose="02070309020205020404"/>
               </a:rPr>
-              <a:t>products:</a:t>
-            </a:r>
-            <a:r>
-              <a:rPr sz="3200" spc="-25" dirty="0">
+              <a:t>capitalizeName(product: IProduct): string { </a:t>
+            </a:r>
+            <a:r>
+              <a:rPr sz="3200" spc="5" dirty="0">
                 <a:latin typeface="Courier New" panose="02070309020205020404"/>
                 <a:cs typeface="Courier New" panose="02070309020205020404"/>
               </a:rPr>
@@ -21746,13 +21665,19 @@
             </a:r>
             <a:r>
               <a:rPr sz="3200" dirty="0">
-                <a:latin typeface="Courier New" panose="02070309020205020404"/>
-                <a:cs typeface="Courier New" panose="02070309020205020404"/>
-              </a:rPr>
-              <a:t>IProduct[]</a:t>
-            </a:r>
-            <a:r>
-              <a:rPr sz="3200" spc="-25" dirty="0">
+                <a:solidFill>
+                  <a:srgbClr val="0000FF"/>
+                </a:solidFill>
+                <a:latin typeface="Courier New" panose="02070309020205020404"/>
+                <a:cs typeface="Courier New" panose="02070309020205020404"/>
+              </a:rPr>
+              <a:t>return</a:t>
+            </a:r>
+            <a:r>
+              <a:rPr sz="3200" spc="-90" dirty="0">
+                <a:solidFill>
+                  <a:srgbClr val="0000FF"/>
+                </a:solidFill>
                 <a:latin typeface="Courier New" panose="02070309020205020404"/>
                 <a:cs typeface="Courier New" panose="02070309020205020404"/>
               </a:rPr>
@@ -21763,21 +21688,25 @@
                 <a:latin typeface="Courier New" panose="02070309020205020404"/>
                 <a:cs typeface="Courier New" panose="02070309020205020404"/>
               </a:rPr>
-              <a:t>=</a:t>
-            </a:r>
-            <a:r>
-              <a:rPr sz="3200" spc="-20" dirty="0">
-                <a:latin typeface="Courier New" panose="02070309020205020404"/>
-                <a:cs typeface="Courier New" panose="02070309020205020404"/>
-              </a:rPr>
-              <a:t> </a:t>
-            </a:r>
+              <a:t>product.productName.toUpperCase();</a:t>
+            </a:r>
+            <a:endParaRPr sz="3200">
+              <a:latin typeface="Courier New" panose="02070309020205020404"/>
+              <a:cs typeface="Courier New" panose="02070309020205020404"/>
+            </a:endParaRPr>
+          </a:p>
+          <a:p>
+            <a:pPr marL="91440">
+              <a:lnSpc>
+                <a:spcPts val="3675"/>
+              </a:lnSpc>
+            </a:pPr>
             <a:r>
               <a:rPr sz="3200" dirty="0">
                 <a:latin typeface="Courier New" panose="02070309020205020404"/>
                 <a:cs typeface="Courier New" panose="02070309020205020404"/>
               </a:rPr>
-              <a:t>[...];</a:t>
+              <a:t>}</a:t>
             </a:r>
             <a:endParaRPr sz="3200">
               <a:latin typeface="Courier New" panose="02070309020205020404"/>
@@ -21788,7 +21717,427 @@
       </p:sp>
       <p:sp>
         <p:nvSpPr>
-          <p:cNvPr id="5" name="Slide Number Placeholder 4"/>
+          <p:cNvPr id="5" name="object 5"/>
+          <p:cNvSpPr txBox="1"/>
+          <p:nvPr/>
+        </p:nvSpPr>
+        <p:spPr>
+          <a:xfrm>
+            <a:off x="1125748" y="1864484"/>
+            <a:ext cx="7585709" cy="804545"/>
+          </a:xfrm>
+          <a:prstGeom prst="rect">
+            <a:avLst/>
+          </a:prstGeom>
+          <a:solidFill>
+            <a:srgbClr val="2A9FBC"/>
+          </a:solidFill>
+          <a:ln w="12700">
+            <a:solidFill>
+              <a:srgbClr val="1C7489"/>
+            </a:solidFill>
+          </a:ln>
+        </p:spPr>
+        <p:txBody>
+          <a:bodyPr vert="horz" wrap="square" lIns="0" tIns="113664" rIns="0" bIns="0" rtlCol="0">
+            <a:spAutoFit/>
+          </a:bodyPr>
+          <a:lstStyle/>
+          <a:p>
+            <a:pPr marL="91440">
+              <a:lnSpc>
+                <a:spcPct val="100000"/>
+              </a:lnSpc>
+              <a:spcBef>
+                <a:spcPts val="895"/>
+              </a:spcBef>
+            </a:pPr>
+            <a:r>
+              <a:rPr sz="3600" b="1" spc="-75" dirty="0">
+                <a:solidFill>
+                  <a:srgbClr val="FFFFFF"/>
+                </a:solidFill>
+                <a:latin typeface="Arial" panose="020B0604020202020204"/>
+                <a:cs typeface="Arial" panose="020B0604020202020204"/>
+              </a:rPr>
+              <a:t>Classic</a:t>
+            </a:r>
+            <a:r>
+              <a:rPr sz="3600" b="1" spc="-70" dirty="0">
+                <a:solidFill>
+                  <a:srgbClr val="FFFFFF"/>
+                </a:solidFill>
+                <a:latin typeface="Arial" panose="020B0604020202020204"/>
+                <a:cs typeface="Arial" panose="020B0604020202020204"/>
+              </a:rPr>
+              <a:t> </a:t>
+            </a:r>
+            <a:r>
+              <a:rPr sz="3600" b="1" dirty="0">
+                <a:solidFill>
+                  <a:srgbClr val="FFFFFF"/>
+                </a:solidFill>
+                <a:latin typeface="Arial" panose="020B0604020202020204"/>
+                <a:cs typeface="Arial" panose="020B0604020202020204"/>
+              </a:rPr>
+              <a:t>named</a:t>
+            </a:r>
+            <a:r>
+              <a:rPr sz="3600" b="1" spc="-70" dirty="0">
+                <a:solidFill>
+                  <a:srgbClr val="FFFFFF"/>
+                </a:solidFill>
+                <a:latin typeface="Arial" panose="020B0604020202020204"/>
+                <a:cs typeface="Arial" panose="020B0604020202020204"/>
+              </a:rPr>
+              <a:t> </a:t>
+            </a:r>
+            <a:r>
+              <a:rPr sz="3600" b="1" spc="25" dirty="0">
+                <a:solidFill>
+                  <a:srgbClr val="FFFFFF"/>
+                </a:solidFill>
+                <a:latin typeface="Arial" panose="020B0604020202020204"/>
+                <a:cs typeface="Arial" panose="020B0604020202020204"/>
+              </a:rPr>
+              <a:t>function</a:t>
+            </a:r>
+            <a:r>
+              <a:rPr sz="3600" b="1" spc="-65" dirty="0">
+                <a:solidFill>
+                  <a:srgbClr val="FFFFFF"/>
+                </a:solidFill>
+                <a:latin typeface="Arial" panose="020B0604020202020204"/>
+                <a:cs typeface="Arial" panose="020B0604020202020204"/>
+              </a:rPr>
+              <a:t> </a:t>
+            </a:r>
+            <a:r>
+              <a:rPr sz="3600" b="1" spc="35" dirty="0">
+                <a:solidFill>
+                  <a:srgbClr val="FFFFFF"/>
+                </a:solidFill>
+                <a:latin typeface="Arial" panose="020B0604020202020204"/>
+                <a:cs typeface="Arial" panose="020B0604020202020204"/>
+              </a:rPr>
+              <a:t>(method)</a:t>
+            </a:r>
+            <a:endParaRPr sz="3600">
+              <a:latin typeface="Arial" panose="020B0604020202020204"/>
+              <a:cs typeface="Arial" panose="020B0604020202020204"/>
+            </a:endParaRPr>
+          </a:p>
+        </p:txBody>
+      </p:sp>
+      <p:sp>
+        <p:nvSpPr>
+          <p:cNvPr id="6" name="object 6"/>
+          <p:cNvSpPr txBox="1"/>
+          <p:nvPr/>
+        </p:nvSpPr>
+        <p:spPr>
+          <a:xfrm>
+            <a:off x="1125748" y="4547863"/>
+            <a:ext cx="7585709" cy="804545"/>
+          </a:xfrm>
+          <a:prstGeom prst="rect">
+            <a:avLst/>
+          </a:prstGeom>
+          <a:solidFill>
+            <a:srgbClr val="2A9FBC"/>
+          </a:solidFill>
+          <a:ln w="12700">
+            <a:solidFill>
+              <a:srgbClr val="1C7489"/>
+            </a:solidFill>
+          </a:ln>
+        </p:spPr>
+        <p:txBody>
+          <a:bodyPr vert="horz" wrap="square" lIns="0" tIns="115570" rIns="0" bIns="0" rtlCol="0">
+            <a:spAutoFit/>
+          </a:bodyPr>
+          <a:lstStyle/>
+          <a:p>
+            <a:pPr marL="91440">
+              <a:lnSpc>
+                <a:spcPct val="100000"/>
+              </a:lnSpc>
+              <a:spcBef>
+                <a:spcPts val="910"/>
+              </a:spcBef>
+            </a:pPr>
+            <a:r>
+              <a:rPr sz="3600" b="1" spc="-70" dirty="0">
+                <a:solidFill>
+                  <a:srgbClr val="FFFFFF"/>
+                </a:solidFill>
+                <a:latin typeface="Arial" panose="020B0604020202020204"/>
+                <a:cs typeface="Arial" panose="020B0604020202020204"/>
+              </a:rPr>
+              <a:t>Arrow</a:t>
+            </a:r>
+            <a:r>
+              <a:rPr sz="3600" b="1" spc="-95" dirty="0">
+                <a:solidFill>
+                  <a:srgbClr val="FFFFFF"/>
+                </a:solidFill>
+                <a:latin typeface="Arial" panose="020B0604020202020204"/>
+                <a:cs typeface="Arial" panose="020B0604020202020204"/>
+              </a:rPr>
+              <a:t> </a:t>
+            </a:r>
+            <a:r>
+              <a:rPr sz="3600" b="1" spc="25" dirty="0">
+                <a:solidFill>
+                  <a:srgbClr val="FFFFFF"/>
+                </a:solidFill>
+                <a:latin typeface="Arial" panose="020B0604020202020204"/>
+                <a:cs typeface="Arial" panose="020B0604020202020204"/>
+              </a:rPr>
+              <a:t>function</a:t>
+            </a:r>
+            <a:endParaRPr sz="3600">
+              <a:latin typeface="Arial" panose="020B0604020202020204"/>
+              <a:cs typeface="Arial" panose="020B0604020202020204"/>
+            </a:endParaRPr>
+          </a:p>
+        </p:txBody>
+      </p:sp>
+      <p:sp>
+        <p:nvSpPr>
+          <p:cNvPr id="7" name="object 7"/>
+          <p:cNvSpPr txBox="1"/>
+          <p:nvPr/>
+        </p:nvSpPr>
+        <p:spPr>
+          <a:xfrm>
+            <a:off x="1125749" y="7096865"/>
+            <a:ext cx="15849600" cy="2062480"/>
+          </a:xfrm>
+          <a:prstGeom prst="rect">
+            <a:avLst/>
+          </a:prstGeom>
+          <a:ln w="12700">
+            <a:solidFill>
+              <a:srgbClr val="2A9FBC"/>
+            </a:solidFill>
+          </a:ln>
+        </p:spPr>
+        <p:txBody>
+          <a:bodyPr vert="horz" wrap="square" lIns="0" tIns="55879" rIns="0" bIns="0" rtlCol="0">
+            <a:spAutoFit/>
+          </a:bodyPr>
+          <a:lstStyle/>
+          <a:p>
+            <a:pPr marL="1068705" marR="6704330" indent="-977900">
+              <a:lnSpc>
+                <a:spcPts val="3790"/>
+              </a:lnSpc>
+              <a:spcBef>
+                <a:spcPts val="440"/>
+              </a:spcBef>
+            </a:pPr>
+            <a:r>
+              <a:rPr sz="3200" dirty="0">
+                <a:latin typeface="Courier New" panose="02070309020205020404"/>
+                <a:cs typeface="Courier New" panose="02070309020205020404"/>
+              </a:rPr>
+              <a:t>(product: IProduct) </a:t>
+            </a:r>
+            <a:r>
+              <a:rPr sz="3200" dirty="0">
+                <a:solidFill>
+                  <a:srgbClr val="0000FF"/>
+                </a:solidFill>
+                <a:latin typeface="Courier New" panose="02070309020205020404"/>
+                <a:cs typeface="Courier New" panose="02070309020205020404"/>
+              </a:rPr>
+              <a:t>=&gt; </a:t>
+            </a:r>
+            <a:r>
+              <a:rPr sz="3200" dirty="0">
+                <a:latin typeface="Courier New" panose="02070309020205020404"/>
+                <a:cs typeface="Courier New" panose="02070309020205020404"/>
+              </a:rPr>
+              <a:t>{ </a:t>
+            </a:r>
+            <a:r>
+              <a:rPr sz="3200" spc="5" dirty="0">
+                <a:latin typeface="Courier New" panose="02070309020205020404"/>
+                <a:cs typeface="Courier New" panose="02070309020205020404"/>
+              </a:rPr>
+              <a:t> </a:t>
+            </a:r>
+            <a:r>
+              <a:rPr sz="3200" dirty="0">
+                <a:latin typeface="Courier New" panose="02070309020205020404"/>
+                <a:cs typeface="Courier New" panose="02070309020205020404"/>
+              </a:rPr>
+              <a:t>console.log(product.productName);</a:t>
+            </a:r>
+            <a:endParaRPr sz="3200">
+              <a:latin typeface="Courier New" panose="02070309020205020404"/>
+              <a:cs typeface="Courier New" panose="02070309020205020404"/>
+            </a:endParaRPr>
+          </a:p>
+          <a:p>
+            <a:pPr marL="1068705">
+              <a:lnSpc>
+                <a:spcPts val="3675"/>
+              </a:lnSpc>
+            </a:pPr>
+            <a:r>
+              <a:rPr sz="3200" dirty="0">
+                <a:solidFill>
+                  <a:srgbClr val="0000FF"/>
+                </a:solidFill>
+                <a:latin typeface="Courier New" panose="02070309020205020404"/>
+                <a:cs typeface="Courier New" panose="02070309020205020404"/>
+              </a:rPr>
+              <a:t>return</a:t>
+            </a:r>
+            <a:r>
+              <a:rPr sz="3200" spc="-55" dirty="0">
+                <a:solidFill>
+                  <a:srgbClr val="0000FF"/>
+                </a:solidFill>
+                <a:latin typeface="Courier New" panose="02070309020205020404"/>
+                <a:cs typeface="Courier New" panose="02070309020205020404"/>
+              </a:rPr>
+              <a:t> </a:t>
+            </a:r>
+            <a:r>
+              <a:rPr sz="3200" dirty="0">
+                <a:latin typeface="Courier New" panose="02070309020205020404"/>
+                <a:cs typeface="Courier New" panose="02070309020205020404"/>
+              </a:rPr>
+              <a:t>product.productName.toUpperCase();</a:t>
+            </a:r>
+            <a:endParaRPr sz="3200">
+              <a:latin typeface="Courier New" panose="02070309020205020404"/>
+              <a:cs typeface="Courier New" panose="02070309020205020404"/>
+            </a:endParaRPr>
+          </a:p>
+          <a:p>
+            <a:pPr marL="91440">
+              <a:lnSpc>
+                <a:spcPct val="100000"/>
+              </a:lnSpc>
+              <a:spcBef>
+                <a:spcPts val="70"/>
+              </a:spcBef>
+            </a:pPr>
+            <a:r>
+              <a:rPr sz="3200" dirty="0">
+                <a:latin typeface="Courier New" panose="02070309020205020404"/>
+                <a:cs typeface="Courier New" panose="02070309020205020404"/>
+              </a:rPr>
+              <a:t>}</a:t>
+            </a:r>
+            <a:endParaRPr sz="3200">
+              <a:latin typeface="Courier New" panose="02070309020205020404"/>
+              <a:cs typeface="Courier New" panose="02070309020205020404"/>
+            </a:endParaRPr>
+          </a:p>
+        </p:txBody>
+      </p:sp>
+      <p:sp>
+        <p:nvSpPr>
+          <p:cNvPr id="8" name="object 8"/>
+          <p:cNvSpPr txBox="1"/>
+          <p:nvPr/>
+        </p:nvSpPr>
+        <p:spPr>
+          <a:xfrm>
+            <a:off x="1125748" y="6242046"/>
+            <a:ext cx="7585709" cy="804545"/>
+          </a:xfrm>
+          <a:prstGeom prst="rect">
+            <a:avLst/>
+          </a:prstGeom>
+          <a:solidFill>
+            <a:srgbClr val="2A9FBC"/>
+          </a:solidFill>
+          <a:ln w="12700">
+            <a:solidFill>
+              <a:srgbClr val="1C7489"/>
+            </a:solidFill>
+          </a:ln>
+        </p:spPr>
+        <p:txBody>
+          <a:bodyPr vert="horz" wrap="square" lIns="0" tIns="116205" rIns="0" bIns="0" rtlCol="0">
+            <a:spAutoFit/>
+          </a:bodyPr>
+          <a:lstStyle/>
+          <a:p>
+            <a:pPr marL="91440">
+              <a:lnSpc>
+                <a:spcPct val="100000"/>
+              </a:lnSpc>
+              <a:spcBef>
+                <a:spcPts val="915"/>
+              </a:spcBef>
+            </a:pPr>
+            <a:r>
+              <a:rPr sz="3600" b="1" spc="70" dirty="0">
+                <a:solidFill>
+                  <a:srgbClr val="FFFFFF"/>
+                </a:solidFill>
+                <a:latin typeface="Arial" panose="020B0604020202020204"/>
+                <a:cs typeface="Arial" panose="020B0604020202020204"/>
+              </a:rPr>
+              <a:t>Multi-statement</a:t>
+            </a:r>
+            <a:r>
+              <a:rPr sz="3600" b="1" spc="-75" dirty="0">
+                <a:solidFill>
+                  <a:srgbClr val="FFFFFF"/>
+                </a:solidFill>
+                <a:latin typeface="Arial" panose="020B0604020202020204"/>
+                <a:cs typeface="Arial" panose="020B0604020202020204"/>
+              </a:rPr>
+              <a:t> </a:t>
+            </a:r>
+            <a:r>
+              <a:rPr sz="3600" b="1" spc="-30" dirty="0">
+                <a:solidFill>
+                  <a:srgbClr val="FFFFFF"/>
+                </a:solidFill>
+                <a:latin typeface="Arial" panose="020B0604020202020204"/>
+                <a:cs typeface="Arial" panose="020B0604020202020204"/>
+              </a:rPr>
+              <a:t>arrow</a:t>
+            </a:r>
+            <a:r>
+              <a:rPr sz="3600" b="1" spc="-80" dirty="0">
+                <a:solidFill>
+                  <a:srgbClr val="FFFFFF"/>
+                </a:solidFill>
+                <a:latin typeface="Arial" panose="020B0604020202020204"/>
+                <a:cs typeface="Arial" panose="020B0604020202020204"/>
+              </a:rPr>
+              <a:t> </a:t>
+            </a:r>
+            <a:r>
+              <a:rPr sz="3600" b="1" spc="25" dirty="0">
+                <a:solidFill>
+                  <a:srgbClr val="FFFFFF"/>
+                </a:solidFill>
+                <a:latin typeface="Arial" panose="020B0604020202020204"/>
+                <a:cs typeface="Arial" panose="020B0604020202020204"/>
+              </a:rPr>
+              <a:t>function</a:t>
+            </a:r>
+            <a:endParaRPr sz="3600">
+              <a:latin typeface="Arial" panose="020B0604020202020204"/>
+              <a:cs typeface="Arial" panose="020B0604020202020204"/>
+            </a:endParaRPr>
+          </a:p>
+        </p:txBody>
+      </p:sp>
+      <p:sp>
+        <p:nvSpPr>
+          <p:cNvPr id="9" name="Slide Number Placeholder 8"/>
           <p:cNvSpPr>
             <a:spLocks noGrp="1"/>
           </p:cNvSpPr>
@@ -21844,8 +22193,8 @@
         </p:nvSpPr>
         <p:spPr>
           <a:xfrm>
-            <a:off x="6562185" y="754380"/>
-            <a:ext cx="5163820" cy="878840"/>
+            <a:off x="6926546" y="754380"/>
+            <a:ext cx="4434205" cy="878840"/>
           </a:xfrm>
           <a:prstGeom prst="rect">
             <a:avLst/>
@@ -21866,18 +22215,26 @@
               </a:spcBef>
             </a:pPr>
             <a:r>
-              <a:rPr spc="-55" dirty="0"/>
-              <a:t>Arrow</a:t>
-            </a:r>
-            <a:r>
-              <a:rPr spc="-190" dirty="0"/>
-              <a:t> </a:t>
-            </a:r>
-            <a:r>
-              <a:rPr spc="40" dirty="0"/>
-              <a:t>Functions</a:t>
-            </a:r>
-            <a:endParaRPr spc="40" dirty="0"/>
+              <a:rPr spc="25" dirty="0"/>
+              <a:t>Filtering</a:t>
+            </a:r>
+            <a:r>
+              <a:rPr spc="-160" dirty="0"/>
+              <a:t> </a:t>
+            </a:r>
+            <a:r>
+              <a:rPr spc="-170" dirty="0"/>
+              <a:t>a</a:t>
+            </a:r>
+            <a:r>
+              <a:rPr spc="-150" dirty="0"/>
+              <a:t> </a:t>
+            </a:r>
+            <a:r>
+              <a:rPr dirty="0"/>
+              <a:t>List</a:t>
+            </a:r>
+            <a:endParaRPr dirty="0"/>
           </a:p>
         </p:txBody>
       </p:sp>
@@ -21889,8 +22246,8 @@
         </p:nvSpPr>
         <p:spPr>
           <a:xfrm>
-            <a:off x="1125749" y="5402684"/>
-            <a:ext cx="15849600" cy="584835"/>
+            <a:off x="1101212" y="2844829"/>
+            <a:ext cx="15773400" cy="2062480"/>
           </a:xfrm>
           <a:prstGeom prst="rect">
             <a:avLst/>
@@ -21902,17 +22259,17 @@
           </a:ln>
         </p:spPr>
         <p:txBody>
-          <a:bodyPr vert="horz" wrap="square" lIns="0" tIns="33655" rIns="0" bIns="0" rtlCol="0">
+          <a:bodyPr vert="horz" wrap="square" lIns="0" tIns="34290" rIns="0" bIns="0" rtlCol="0">
             <a:spAutoFit/>
           </a:bodyPr>
           <a:lstStyle/>
           <a:p>
-            <a:pPr marL="91440">
+            <a:pPr marL="90805">
               <a:lnSpc>
-                <a:spcPct val="100000"/>
+                <a:spcPts val="3815"/>
               </a:lnSpc>
               <a:spcBef>
-                <a:spcPts val="265"/>
+                <a:spcPts val="270"/>
               </a:spcBef>
             </a:pPr>
             <a:r>
@@ -21920,10 +22277,10 @@
                 <a:latin typeface="Courier New" panose="02070309020205020404"/>
                 <a:cs typeface="Courier New" panose="02070309020205020404"/>
               </a:rPr>
-              <a:t>(product:</a:t>
-            </a:r>
-            <a:r>
-              <a:rPr sz="3200" spc="-25" dirty="0">
+              <a:t>performFilter():</a:t>
+            </a:r>
+            <a:r>
+              <a:rPr sz="3200" spc="-35" dirty="0">
                 <a:latin typeface="Courier New" panose="02070309020205020404"/>
                 <a:cs typeface="Courier New" panose="02070309020205020404"/>
               </a:rPr>
@@ -21934,10 +22291,10 @@
                 <a:latin typeface="Courier New" panose="02070309020205020404"/>
                 <a:cs typeface="Courier New" panose="02070309020205020404"/>
               </a:rPr>
-              <a:t>IProduct)</a:t>
-            </a:r>
-            <a:r>
-              <a:rPr sz="3200" spc="-25" dirty="0">
+              <a:t>IProduct[]</a:t>
+            </a:r>
+            <a:r>
+              <a:rPr sz="3200" spc="-35" dirty="0">
                 <a:latin typeface="Courier New" panose="02070309020205020404"/>
                 <a:cs typeface="Courier New" panose="02070309020205020404"/>
               </a:rPr>
@@ -21945,22 +22302,60 @@
             </a:r>
             <a:r>
               <a:rPr sz="3200" dirty="0">
+                <a:latin typeface="Courier New" panose="02070309020205020404"/>
+                <a:cs typeface="Courier New" panose="02070309020205020404"/>
+              </a:rPr>
+              <a:t>{</a:t>
+            </a:r>
+            <a:endParaRPr sz="3200">
+              <a:latin typeface="Courier New" panose="02070309020205020404"/>
+              <a:cs typeface="Courier New" panose="02070309020205020404"/>
+            </a:endParaRPr>
+          </a:p>
+          <a:p>
+            <a:pPr marL="2536190" marR="1739265" indent="-1466850">
+              <a:lnSpc>
+                <a:spcPts val="3790"/>
+              </a:lnSpc>
+              <a:spcBef>
+                <a:spcPts val="145"/>
+              </a:spcBef>
+            </a:pPr>
+            <a:r>
+              <a:rPr sz="3200" dirty="0">
                 <a:solidFill>
                   <a:srgbClr val="0000FF"/>
                 </a:solidFill>
                 <a:latin typeface="Courier New" panose="02070309020205020404"/>
                 <a:cs typeface="Courier New" panose="02070309020205020404"/>
               </a:rPr>
-              <a:t>=&gt;</a:t>
-            </a:r>
-            <a:r>
-              <a:rPr sz="3200" spc="-20" dirty="0">
+              <a:t>return this</a:t>
+            </a:r>
+            <a:r>
+              <a:rPr sz="3200" dirty="0">
+                <a:latin typeface="Courier New" panose="02070309020205020404"/>
+                <a:cs typeface="Courier New" panose="02070309020205020404"/>
+              </a:rPr>
+              <a:t>.products.filter((product: IProduct) </a:t>
+            </a:r>
+            <a:r>
+              <a:rPr sz="3200" dirty="0">
                 <a:solidFill>
                   <a:srgbClr val="0000FF"/>
                 </a:solidFill>
                 <a:latin typeface="Courier New" panose="02070309020205020404"/>
                 <a:cs typeface="Courier New" panose="02070309020205020404"/>
               </a:rPr>
+              <a:t>=&gt; </a:t>
+            </a:r>
+            <a:r>
+              <a:rPr sz="3200" spc="5" dirty="0">
+                <a:solidFill>
+                  <a:srgbClr val="0000FF"/>
+                </a:solidFill>
+                <a:latin typeface="Courier New" panose="02070309020205020404"/>
+                <a:cs typeface="Courier New" panose="02070309020205020404"/>
+              </a:rPr>
               <a:t> </a:t>
             </a:r>
             <a:r>
@@ -21968,7 +22363,42 @@
                 <a:latin typeface="Courier New" panose="02070309020205020404"/>
                 <a:cs typeface="Courier New" panose="02070309020205020404"/>
               </a:rPr>
-              <a:t>product.productName.toUpperCase();</a:t>
+              <a:t>product.productName.includes(</a:t>
+            </a:r>
+            <a:r>
+              <a:rPr sz="3200" dirty="0">
+                <a:solidFill>
+                  <a:srgbClr val="0000FF"/>
+                </a:solidFill>
+                <a:latin typeface="Courier New" panose="02070309020205020404"/>
+                <a:cs typeface="Courier New" panose="02070309020205020404"/>
+              </a:rPr>
+              <a:t>this</a:t>
+            </a:r>
+            <a:r>
+              <a:rPr sz="3200" dirty="0">
+                <a:latin typeface="Courier New" panose="02070309020205020404"/>
+                <a:cs typeface="Courier New" panose="02070309020205020404"/>
+              </a:rPr>
+              <a:t>.listFilter));</a:t>
+            </a:r>
+            <a:endParaRPr sz="3200">
+              <a:latin typeface="Courier New" panose="02070309020205020404"/>
+              <a:cs typeface="Courier New" panose="02070309020205020404"/>
+            </a:endParaRPr>
+          </a:p>
+          <a:p>
+            <a:pPr marL="90805">
+              <a:lnSpc>
+                <a:spcPts val="3795"/>
+              </a:lnSpc>
+            </a:pPr>
+            <a:r>
+              <a:rPr sz="3200" dirty="0">
+                <a:latin typeface="Courier New" panose="02070309020205020404"/>
+                <a:cs typeface="Courier New" panose="02070309020205020404"/>
+              </a:rPr>
+              <a:t>}</a:t>
             </a:r>
             <a:endParaRPr sz="3200">
               <a:latin typeface="Courier New" panose="02070309020205020404"/>
@@ -21985,8 +22415,8 @@
         </p:nvSpPr>
         <p:spPr>
           <a:xfrm>
-            <a:off x="1125749" y="2723616"/>
-            <a:ext cx="15773400" cy="1569720"/>
+            <a:off x="1101212" y="1883866"/>
+            <a:ext cx="15773400" cy="584835"/>
           </a:xfrm>
           <a:prstGeom prst="rect">
             <a:avLst/>
@@ -21998,17 +22428,17 @@
           </a:ln>
         </p:spPr>
         <p:txBody>
-          <a:bodyPr vert="horz" wrap="square" lIns="0" tIns="55244" rIns="0" bIns="0" rtlCol="0">
+          <a:bodyPr vert="horz" wrap="square" lIns="0" tIns="32384" rIns="0" bIns="0" rtlCol="0">
             <a:spAutoFit/>
           </a:bodyPr>
           <a:lstStyle/>
           <a:p>
-            <a:pPr marL="1068705" marR="4672965" indent="-977900">
+            <a:pPr marL="90805">
               <a:lnSpc>
-                <a:spcPts val="3790"/>
+                <a:spcPct val="100000"/>
               </a:lnSpc>
               <a:spcBef>
-                <a:spcPts val="435"/>
+                <a:spcPts val="255"/>
               </a:spcBef>
             </a:pPr>
             <a:r>
@@ -22016,10 +22446,10 @@
                 <a:latin typeface="Courier New" panose="02070309020205020404"/>
                 <a:cs typeface="Courier New" panose="02070309020205020404"/>
               </a:rPr>
-              <a:t>capitalizeName(product: IProduct): string { </a:t>
-            </a:r>
-            <a:r>
-              <a:rPr sz="3200" spc="5" dirty="0">
+              <a:t>products:</a:t>
+            </a:r>
+            <a:r>
+              <a:rPr sz="3200" spc="-25" dirty="0">
                 <a:latin typeface="Courier New" panose="02070309020205020404"/>
                 <a:cs typeface="Courier New" panose="02070309020205020404"/>
               </a:rPr>
@@ -22027,19 +22457,13 @@
             </a:r>
             <a:r>
               <a:rPr sz="3200" dirty="0">
-                <a:solidFill>
-                  <a:srgbClr val="0000FF"/>
-                </a:solidFill>
-                <a:latin typeface="Courier New" panose="02070309020205020404"/>
-                <a:cs typeface="Courier New" panose="02070309020205020404"/>
-              </a:rPr>
-              <a:t>return</a:t>
-            </a:r>
-            <a:r>
-              <a:rPr sz="3200" spc="-90" dirty="0">
-                <a:solidFill>
-                  <a:srgbClr val="0000FF"/>
-                </a:solidFill>
+                <a:latin typeface="Courier New" panose="02070309020205020404"/>
+                <a:cs typeface="Courier New" panose="02070309020205020404"/>
+              </a:rPr>
+              <a:t>IProduct[]</a:t>
+            </a:r>
+            <a:r>
+              <a:rPr sz="3200" spc="-25" dirty="0">
                 <a:latin typeface="Courier New" panose="02070309020205020404"/>
                 <a:cs typeface="Courier New" panose="02070309020205020404"/>
               </a:rPr>
@@ -22050,25 +22474,21 @@
                 <a:latin typeface="Courier New" panose="02070309020205020404"/>
                 <a:cs typeface="Courier New" panose="02070309020205020404"/>
               </a:rPr>
-              <a:t>product.productName.toUpperCase();</a:t>
-            </a:r>
-            <a:endParaRPr sz="3200">
-              <a:latin typeface="Courier New" panose="02070309020205020404"/>
-              <a:cs typeface="Courier New" panose="02070309020205020404"/>
-            </a:endParaRPr>
-          </a:p>
-          <a:p>
-            <a:pPr marL="91440">
-              <a:lnSpc>
-                <a:spcPts val="3675"/>
-              </a:lnSpc>
-            </a:pPr>
+              <a:t>=</a:t>
+            </a:r>
+            <a:r>
+              <a:rPr sz="3200" spc="-20" dirty="0">
+                <a:latin typeface="Courier New" panose="02070309020205020404"/>
+                <a:cs typeface="Courier New" panose="02070309020205020404"/>
+              </a:rPr>
+              <a:t> </a:t>
+            </a:r>
             <a:r>
               <a:rPr sz="3200" dirty="0">
                 <a:latin typeface="Courier New" panose="02070309020205020404"/>
                 <a:cs typeface="Courier New" panose="02070309020205020404"/>
               </a:rPr>
-              <a:t>}</a:t>
+              <a:t>[...];</a:t>
             </a:r>
             <a:endParaRPr sz="3200">
               <a:latin typeface="Courier New" panose="02070309020205020404"/>
@@ -22079,427 +22499,7 @@
       </p:sp>
       <p:sp>
         <p:nvSpPr>
-          <p:cNvPr id="5" name="object 5"/>
-          <p:cNvSpPr txBox="1"/>
-          <p:nvPr/>
-        </p:nvSpPr>
-        <p:spPr>
-          <a:xfrm>
-            <a:off x="1125748" y="1864484"/>
-            <a:ext cx="7585709" cy="804545"/>
-          </a:xfrm>
-          <a:prstGeom prst="rect">
-            <a:avLst/>
-          </a:prstGeom>
-          <a:solidFill>
-            <a:srgbClr val="2A9FBC"/>
-          </a:solidFill>
-          <a:ln w="12700">
-            <a:solidFill>
-              <a:srgbClr val="1C7489"/>
-            </a:solidFill>
-          </a:ln>
-        </p:spPr>
-        <p:txBody>
-          <a:bodyPr vert="horz" wrap="square" lIns="0" tIns="113664" rIns="0" bIns="0" rtlCol="0">
-            <a:spAutoFit/>
-          </a:bodyPr>
-          <a:lstStyle/>
-          <a:p>
-            <a:pPr marL="91440">
-              <a:lnSpc>
-                <a:spcPct val="100000"/>
-              </a:lnSpc>
-              <a:spcBef>
-                <a:spcPts val="895"/>
-              </a:spcBef>
-            </a:pPr>
-            <a:r>
-              <a:rPr sz="3600" b="1" spc="-75" dirty="0">
-                <a:solidFill>
-                  <a:srgbClr val="FFFFFF"/>
-                </a:solidFill>
-                <a:latin typeface="Arial" panose="020B0604020202020204"/>
-                <a:cs typeface="Arial" panose="020B0604020202020204"/>
-              </a:rPr>
-              <a:t>Classic</a:t>
-            </a:r>
-            <a:r>
-              <a:rPr sz="3600" b="1" spc="-70" dirty="0">
-                <a:solidFill>
-                  <a:srgbClr val="FFFFFF"/>
-                </a:solidFill>
-                <a:latin typeface="Arial" panose="020B0604020202020204"/>
-                <a:cs typeface="Arial" panose="020B0604020202020204"/>
-              </a:rPr>
-              <a:t> </a:t>
-            </a:r>
-            <a:r>
-              <a:rPr sz="3600" b="1" dirty="0">
-                <a:solidFill>
-                  <a:srgbClr val="FFFFFF"/>
-                </a:solidFill>
-                <a:latin typeface="Arial" panose="020B0604020202020204"/>
-                <a:cs typeface="Arial" panose="020B0604020202020204"/>
-              </a:rPr>
-              <a:t>named</a:t>
-            </a:r>
-            <a:r>
-              <a:rPr sz="3600" b="1" spc="-70" dirty="0">
-                <a:solidFill>
-                  <a:srgbClr val="FFFFFF"/>
-                </a:solidFill>
-                <a:latin typeface="Arial" panose="020B0604020202020204"/>
-                <a:cs typeface="Arial" panose="020B0604020202020204"/>
-              </a:rPr>
-              <a:t> </a:t>
-            </a:r>
-            <a:r>
-              <a:rPr sz="3600" b="1" spc="25" dirty="0">
-                <a:solidFill>
-                  <a:srgbClr val="FFFFFF"/>
-                </a:solidFill>
-                <a:latin typeface="Arial" panose="020B0604020202020204"/>
-                <a:cs typeface="Arial" panose="020B0604020202020204"/>
-              </a:rPr>
-              <a:t>function</a:t>
-            </a:r>
-            <a:r>
-              <a:rPr sz="3600" b="1" spc="-65" dirty="0">
-                <a:solidFill>
-                  <a:srgbClr val="FFFFFF"/>
-                </a:solidFill>
-                <a:latin typeface="Arial" panose="020B0604020202020204"/>
-                <a:cs typeface="Arial" panose="020B0604020202020204"/>
-              </a:rPr>
-              <a:t> </a:t>
-            </a:r>
-            <a:r>
-              <a:rPr sz="3600" b="1" spc="35" dirty="0">
-                <a:solidFill>
-                  <a:srgbClr val="FFFFFF"/>
-                </a:solidFill>
-                <a:latin typeface="Arial" panose="020B0604020202020204"/>
-                <a:cs typeface="Arial" panose="020B0604020202020204"/>
-              </a:rPr>
-              <a:t>(method)</a:t>
-            </a:r>
-            <a:endParaRPr sz="3600">
-              <a:latin typeface="Arial" panose="020B0604020202020204"/>
-              <a:cs typeface="Arial" panose="020B0604020202020204"/>
-            </a:endParaRPr>
-          </a:p>
-        </p:txBody>
-      </p:sp>
-      <p:sp>
-        <p:nvSpPr>
-          <p:cNvPr id="6" name="object 6"/>
-          <p:cNvSpPr txBox="1"/>
-          <p:nvPr/>
-        </p:nvSpPr>
-        <p:spPr>
-          <a:xfrm>
-            <a:off x="1125748" y="4547863"/>
-            <a:ext cx="7585709" cy="804545"/>
-          </a:xfrm>
-          <a:prstGeom prst="rect">
-            <a:avLst/>
-          </a:prstGeom>
-          <a:solidFill>
-            <a:srgbClr val="2A9FBC"/>
-          </a:solidFill>
-          <a:ln w="12700">
-            <a:solidFill>
-              <a:srgbClr val="1C7489"/>
-            </a:solidFill>
-          </a:ln>
-        </p:spPr>
-        <p:txBody>
-          <a:bodyPr vert="horz" wrap="square" lIns="0" tIns="115570" rIns="0" bIns="0" rtlCol="0">
-            <a:spAutoFit/>
-          </a:bodyPr>
-          <a:lstStyle/>
-          <a:p>
-            <a:pPr marL="91440">
-              <a:lnSpc>
-                <a:spcPct val="100000"/>
-              </a:lnSpc>
-              <a:spcBef>
-                <a:spcPts val="910"/>
-              </a:spcBef>
-            </a:pPr>
-            <a:r>
-              <a:rPr sz="3600" b="1" spc="-70" dirty="0">
-                <a:solidFill>
-                  <a:srgbClr val="FFFFFF"/>
-                </a:solidFill>
-                <a:latin typeface="Arial" panose="020B0604020202020204"/>
-                <a:cs typeface="Arial" panose="020B0604020202020204"/>
-              </a:rPr>
-              <a:t>Arrow</a:t>
-            </a:r>
-            <a:r>
-              <a:rPr sz="3600" b="1" spc="-95" dirty="0">
-                <a:solidFill>
-                  <a:srgbClr val="FFFFFF"/>
-                </a:solidFill>
-                <a:latin typeface="Arial" panose="020B0604020202020204"/>
-                <a:cs typeface="Arial" panose="020B0604020202020204"/>
-              </a:rPr>
-              <a:t> </a:t>
-            </a:r>
-            <a:r>
-              <a:rPr sz="3600" b="1" spc="25" dirty="0">
-                <a:solidFill>
-                  <a:srgbClr val="FFFFFF"/>
-                </a:solidFill>
-                <a:latin typeface="Arial" panose="020B0604020202020204"/>
-                <a:cs typeface="Arial" panose="020B0604020202020204"/>
-              </a:rPr>
-              <a:t>function</a:t>
-            </a:r>
-            <a:endParaRPr sz="3600">
-              <a:latin typeface="Arial" panose="020B0604020202020204"/>
-              <a:cs typeface="Arial" panose="020B0604020202020204"/>
-            </a:endParaRPr>
-          </a:p>
-        </p:txBody>
-      </p:sp>
-      <p:sp>
-        <p:nvSpPr>
-          <p:cNvPr id="7" name="object 7"/>
-          <p:cNvSpPr txBox="1"/>
-          <p:nvPr/>
-        </p:nvSpPr>
-        <p:spPr>
-          <a:xfrm>
-            <a:off x="1125749" y="7096865"/>
-            <a:ext cx="15849600" cy="2062480"/>
-          </a:xfrm>
-          <a:prstGeom prst="rect">
-            <a:avLst/>
-          </a:prstGeom>
-          <a:ln w="12700">
-            <a:solidFill>
-              <a:srgbClr val="2A9FBC"/>
-            </a:solidFill>
-          </a:ln>
-        </p:spPr>
-        <p:txBody>
-          <a:bodyPr vert="horz" wrap="square" lIns="0" tIns="55879" rIns="0" bIns="0" rtlCol="0">
-            <a:spAutoFit/>
-          </a:bodyPr>
-          <a:lstStyle/>
-          <a:p>
-            <a:pPr marL="1068705" marR="6704330" indent="-977900">
-              <a:lnSpc>
-                <a:spcPts val="3790"/>
-              </a:lnSpc>
-              <a:spcBef>
-                <a:spcPts val="440"/>
-              </a:spcBef>
-            </a:pPr>
-            <a:r>
-              <a:rPr sz="3200" dirty="0">
-                <a:latin typeface="Courier New" panose="02070309020205020404"/>
-                <a:cs typeface="Courier New" panose="02070309020205020404"/>
-              </a:rPr>
-              <a:t>(product: IProduct) </a:t>
-            </a:r>
-            <a:r>
-              <a:rPr sz="3200" dirty="0">
-                <a:solidFill>
-                  <a:srgbClr val="0000FF"/>
-                </a:solidFill>
-                <a:latin typeface="Courier New" panose="02070309020205020404"/>
-                <a:cs typeface="Courier New" panose="02070309020205020404"/>
-              </a:rPr>
-              <a:t>=&gt; </a:t>
-            </a:r>
-            <a:r>
-              <a:rPr sz="3200" dirty="0">
-                <a:latin typeface="Courier New" panose="02070309020205020404"/>
-                <a:cs typeface="Courier New" panose="02070309020205020404"/>
-              </a:rPr>
-              <a:t>{ </a:t>
-            </a:r>
-            <a:r>
-              <a:rPr sz="3200" spc="5" dirty="0">
-                <a:latin typeface="Courier New" panose="02070309020205020404"/>
-                <a:cs typeface="Courier New" panose="02070309020205020404"/>
-              </a:rPr>
-              <a:t> </a:t>
-            </a:r>
-            <a:r>
-              <a:rPr sz="3200" dirty="0">
-                <a:latin typeface="Courier New" panose="02070309020205020404"/>
-                <a:cs typeface="Courier New" panose="02070309020205020404"/>
-              </a:rPr>
-              <a:t>console.log(product.productName);</a:t>
-            </a:r>
-            <a:endParaRPr sz="3200">
-              <a:latin typeface="Courier New" panose="02070309020205020404"/>
-              <a:cs typeface="Courier New" panose="02070309020205020404"/>
-            </a:endParaRPr>
-          </a:p>
-          <a:p>
-            <a:pPr marL="1068705">
-              <a:lnSpc>
-                <a:spcPts val="3675"/>
-              </a:lnSpc>
-            </a:pPr>
-            <a:r>
-              <a:rPr sz="3200" dirty="0">
-                <a:solidFill>
-                  <a:srgbClr val="0000FF"/>
-                </a:solidFill>
-                <a:latin typeface="Courier New" panose="02070309020205020404"/>
-                <a:cs typeface="Courier New" panose="02070309020205020404"/>
-              </a:rPr>
-              <a:t>return</a:t>
-            </a:r>
-            <a:r>
-              <a:rPr sz="3200" spc="-55" dirty="0">
-                <a:solidFill>
-                  <a:srgbClr val="0000FF"/>
-                </a:solidFill>
-                <a:latin typeface="Courier New" panose="02070309020205020404"/>
-                <a:cs typeface="Courier New" panose="02070309020205020404"/>
-              </a:rPr>
-              <a:t> </a:t>
-            </a:r>
-            <a:r>
-              <a:rPr sz="3200" dirty="0">
-                <a:latin typeface="Courier New" panose="02070309020205020404"/>
-                <a:cs typeface="Courier New" panose="02070309020205020404"/>
-              </a:rPr>
-              <a:t>product.productName.toUpperCase();</a:t>
-            </a:r>
-            <a:endParaRPr sz="3200">
-              <a:latin typeface="Courier New" panose="02070309020205020404"/>
-              <a:cs typeface="Courier New" panose="02070309020205020404"/>
-            </a:endParaRPr>
-          </a:p>
-          <a:p>
-            <a:pPr marL="91440">
-              <a:lnSpc>
-                <a:spcPct val="100000"/>
-              </a:lnSpc>
-              <a:spcBef>
-                <a:spcPts val="70"/>
-              </a:spcBef>
-            </a:pPr>
-            <a:r>
-              <a:rPr sz="3200" dirty="0">
-                <a:latin typeface="Courier New" panose="02070309020205020404"/>
-                <a:cs typeface="Courier New" panose="02070309020205020404"/>
-              </a:rPr>
-              <a:t>}</a:t>
-            </a:r>
-            <a:endParaRPr sz="3200">
-              <a:latin typeface="Courier New" panose="02070309020205020404"/>
-              <a:cs typeface="Courier New" panose="02070309020205020404"/>
-            </a:endParaRPr>
-          </a:p>
-        </p:txBody>
-      </p:sp>
-      <p:sp>
-        <p:nvSpPr>
-          <p:cNvPr id="8" name="object 8"/>
-          <p:cNvSpPr txBox="1"/>
-          <p:nvPr/>
-        </p:nvSpPr>
-        <p:spPr>
-          <a:xfrm>
-            <a:off x="1125748" y="6242046"/>
-            <a:ext cx="7585709" cy="804545"/>
-          </a:xfrm>
-          <a:prstGeom prst="rect">
-            <a:avLst/>
-          </a:prstGeom>
-          <a:solidFill>
-            <a:srgbClr val="2A9FBC"/>
-          </a:solidFill>
-          <a:ln w="12700">
-            <a:solidFill>
-              <a:srgbClr val="1C7489"/>
-            </a:solidFill>
-          </a:ln>
-        </p:spPr>
-        <p:txBody>
-          <a:bodyPr vert="horz" wrap="square" lIns="0" tIns="116205" rIns="0" bIns="0" rtlCol="0">
-            <a:spAutoFit/>
-          </a:bodyPr>
-          <a:lstStyle/>
-          <a:p>
-            <a:pPr marL="91440">
-              <a:lnSpc>
-                <a:spcPct val="100000"/>
-              </a:lnSpc>
-              <a:spcBef>
-                <a:spcPts val="915"/>
-              </a:spcBef>
-            </a:pPr>
-            <a:r>
-              <a:rPr sz="3600" b="1" spc="70" dirty="0">
-                <a:solidFill>
-                  <a:srgbClr val="FFFFFF"/>
-                </a:solidFill>
-                <a:latin typeface="Arial" panose="020B0604020202020204"/>
-                <a:cs typeface="Arial" panose="020B0604020202020204"/>
-              </a:rPr>
-              <a:t>Multi-statement</a:t>
-            </a:r>
-            <a:r>
-              <a:rPr sz="3600" b="1" spc="-75" dirty="0">
-                <a:solidFill>
-                  <a:srgbClr val="FFFFFF"/>
-                </a:solidFill>
-                <a:latin typeface="Arial" panose="020B0604020202020204"/>
-                <a:cs typeface="Arial" panose="020B0604020202020204"/>
-              </a:rPr>
-              <a:t> </a:t>
-            </a:r>
-            <a:r>
-              <a:rPr sz="3600" b="1" spc="-30" dirty="0">
-                <a:solidFill>
-                  <a:srgbClr val="FFFFFF"/>
-                </a:solidFill>
-                <a:latin typeface="Arial" panose="020B0604020202020204"/>
-                <a:cs typeface="Arial" panose="020B0604020202020204"/>
-              </a:rPr>
-              <a:t>arrow</a:t>
-            </a:r>
-            <a:r>
-              <a:rPr sz="3600" b="1" spc="-80" dirty="0">
-                <a:solidFill>
-                  <a:srgbClr val="FFFFFF"/>
-                </a:solidFill>
-                <a:latin typeface="Arial" panose="020B0604020202020204"/>
-                <a:cs typeface="Arial" panose="020B0604020202020204"/>
-              </a:rPr>
-              <a:t> </a:t>
-            </a:r>
-            <a:r>
-              <a:rPr sz="3600" b="1" spc="25" dirty="0">
-                <a:solidFill>
-                  <a:srgbClr val="FFFFFF"/>
-                </a:solidFill>
-                <a:latin typeface="Arial" panose="020B0604020202020204"/>
-                <a:cs typeface="Arial" panose="020B0604020202020204"/>
-              </a:rPr>
-              <a:t>function</a:t>
-            </a:r>
-            <a:endParaRPr sz="3600">
-              <a:latin typeface="Arial" panose="020B0604020202020204"/>
-              <a:cs typeface="Arial" panose="020B0604020202020204"/>
-            </a:endParaRPr>
-          </a:p>
-        </p:txBody>
-      </p:sp>
-      <p:sp>
-        <p:nvSpPr>
-          <p:cNvPr id="9" name="Slide Number Placeholder 8"/>
+          <p:cNvPr id="5" name="Slide Number Placeholder 4"/>
           <p:cNvSpPr>
             <a:spLocks noGrp="1"/>
           </p:cNvSpPr>
